--- a/Endpräsentation.pptx
+++ b/Endpräsentation.pptx
@@ -914,7 +914,7 @@
                 </a:uFill>
                 <a:latin typeface="Century Gothic"/>
               </a:rPr>
-              <a:t>23.01.2017</a:t>
+              <a:t>24.01.2017</a:t>
             </a:fld>
             <a:endParaRPr lang="de-DE" sz="1400" b="0" strike="noStrike" spc="-1">
               <a:solidFill>
@@ -1410,7 +1410,7 @@
                 </a:uFill>
                 <a:latin typeface="Century Gothic"/>
               </a:rPr>
-              <a:t>23.01.2017</a:t>
+              <a:t>24.01.2017</a:t>
             </a:fld>
             <a:endParaRPr lang="de-DE" sz="1400" b="0" strike="noStrike" spc="-1">
               <a:solidFill>
@@ -1720,7 +1720,7 @@
                 </a:uFill>
                 <a:latin typeface="Century Gothic"/>
               </a:rPr>
-              <a:t>23.01.2017</a:t>
+              <a:t>24.01.2017</a:t>
             </a:fld>
             <a:endParaRPr lang="de-DE" sz="1400" b="0" strike="noStrike" spc="-1">
               <a:solidFill>
@@ -2088,7 +2088,7 @@
                 </a:uFill>
                 <a:latin typeface="Century Gothic"/>
               </a:rPr>
-              <a:t>23.01.2017</a:t>
+              <a:t>24.01.2017</a:t>
             </a:fld>
             <a:endParaRPr lang="de-DE" sz="1400" b="0" strike="noStrike" spc="-1">
               <a:solidFill>
@@ -2466,7 +2466,7 @@
                 </a:uFill>
                 <a:latin typeface="Century Gothic"/>
               </a:rPr>
-              <a:t>23.01.2017</a:t>
+              <a:t>24.01.2017</a:t>
             </a:fld>
             <a:endParaRPr lang="de-DE" sz="1400" b="0" strike="noStrike" spc="-1">
               <a:solidFill>
@@ -2828,7 +2828,7 @@
                 </a:uFill>
                 <a:latin typeface="Century Gothic"/>
               </a:rPr>
-              <a:t>23.01.2017</a:t>
+              <a:t>24.01.2017</a:t>
             </a:fld>
             <a:endParaRPr lang="de-DE" sz="1400" b="0" strike="noStrike" spc="-1">
               <a:solidFill>
@@ -3255,7 +3255,7 @@
                 </a:uFill>
                 <a:latin typeface="Century Gothic"/>
               </a:rPr>
-              <a:t>23.01.2017</a:t>
+              <a:t>24.01.2017</a:t>
             </a:fld>
             <a:endParaRPr lang="de-DE" sz="1400" b="0" strike="noStrike" spc="-1">
               <a:solidFill>
@@ -3489,7 +3489,7 @@
                 </a:uFill>
                 <a:latin typeface="Century Gothic"/>
               </a:rPr>
-              <a:t>23.01.2017</a:t>
+              <a:t>24.01.2017</a:t>
             </a:fld>
             <a:endParaRPr lang="de-DE" sz="1400" b="0" strike="noStrike" spc="-1">
               <a:solidFill>
@@ -3729,7 +3729,7 @@
                 </a:uFill>
                 <a:latin typeface="Century Gothic"/>
               </a:rPr>
-              <a:t>23.01.2017</a:t>
+              <a:t>24.01.2017</a:t>
             </a:fld>
             <a:endParaRPr lang="de-DE" sz="1400" b="0" strike="noStrike" spc="-1">
               <a:solidFill>
@@ -4041,7 +4041,7 @@
                 </a:uFill>
                 <a:latin typeface="Century Gothic"/>
               </a:rPr>
-              <a:t>23.01.2017</a:t>
+              <a:t>24.01.2017</a:t>
             </a:fld>
             <a:endParaRPr lang="de-DE" sz="1400" b="0" strike="noStrike" spc="-1">
               <a:solidFill>
@@ -4446,7 +4446,7 @@
                 </a:uFill>
                 <a:latin typeface="Century Gothic"/>
               </a:rPr>
-              <a:t>23.01.2017</a:t>
+              <a:t>24.01.2017</a:t>
             </a:fld>
             <a:endParaRPr lang="de-DE" sz="1400" b="0" strike="noStrike" spc="-1">
               <a:solidFill>
@@ -4676,7 +4676,7 @@
                 </a:uFill>
                 <a:latin typeface="Century Gothic"/>
               </a:rPr>
-              <a:t>23.01.2017</a:t>
+              <a:t>24.01.2017</a:t>
             </a:fld>
             <a:endParaRPr lang="de-DE" sz="1400" b="0" strike="noStrike" spc="-1">
               <a:solidFill>
@@ -4986,7 +4986,7 @@
                 </a:uFill>
                 <a:latin typeface="Century Gothic"/>
               </a:rPr>
-              <a:t>23.01.2017</a:t>
+              <a:t>24.01.2017</a:t>
             </a:fld>
             <a:endParaRPr lang="de-DE" sz="1400" b="0" strike="noStrike" spc="-1">
               <a:solidFill>
@@ -5282,7 +5282,7 @@
                 </a:uFill>
                 <a:latin typeface="Century Gothic"/>
               </a:rPr>
-              <a:t>23.01.2017</a:t>
+              <a:t>24.01.2017</a:t>
             </a:fld>
             <a:endParaRPr lang="de-DE" sz="1400" b="0" strike="noStrike" spc="-1">
               <a:solidFill>
@@ -5724,7 +5724,7 @@
                 </a:uFill>
                 <a:latin typeface="Century Gothic"/>
               </a:rPr>
-              <a:t>23.01.2017</a:t>
+              <a:t>24.01.2017</a:t>
             </a:fld>
             <a:endParaRPr lang="de-DE" sz="1400" b="0" strike="noStrike" spc="-1">
               <a:solidFill>
@@ -5902,7 +5902,7 @@
                 </a:uFill>
                 <a:latin typeface="Century Gothic"/>
               </a:rPr>
-              <a:t>23.01.2017</a:t>
+              <a:t>24.01.2017</a:t>
             </a:fld>
             <a:endParaRPr lang="de-DE" sz="1400" b="0" strike="noStrike" spc="-1">
               <a:solidFill>
@@ -6057,7 +6057,7 @@
                 </a:uFill>
                 <a:latin typeface="Century Gothic"/>
               </a:rPr>
-              <a:t>23.01.2017</a:t>
+              <a:t>24.01.2017</a:t>
             </a:fld>
             <a:endParaRPr lang="de-DE" sz="1400" b="0" strike="noStrike" spc="-1">
               <a:solidFill>
@@ -6372,7 +6372,7 @@
                 </a:uFill>
                 <a:latin typeface="Century Gothic"/>
               </a:rPr>
-              <a:t>23.01.2017</a:t>
+              <a:t>24.01.2017</a:t>
             </a:fld>
             <a:endParaRPr lang="de-DE" sz="1400" b="0" strike="noStrike" spc="-1">
               <a:solidFill>
@@ -6715,7 +6715,7 @@
                 </a:uFill>
                 <a:latin typeface="Century Gothic"/>
               </a:rPr>
-              <a:t>23.01.2017</a:t>
+              <a:t>24.01.2017</a:t>
             </a:fld>
             <a:endParaRPr lang="de-DE" sz="1400" b="0" strike="noStrike" spc="-1">
               <a:solidFill>
@@ -7036,7 +7036,7 @@
                 </a:uFill>
                 <a:latin typeface="Century Gothic"/>
               </a:rPr>
-              <a:t>23.01.2017</a:t>
+              <a:t>24.01.2017</a:t>
             </a:fld>
             <a:endParaRPr lang="de-DE" sz="1400" b="0" strike="noStrike" spc="-1">
               <a:solidFill>
@@ -7346,7 +7346,7 @@
                 </a:uFill>
                 <a:latin typeface="Century Gothic"/>
               </a:rPr>
-              <a:t>23.01.2017</a:t>
+              <a:t>24.01.2017</a:t>
             </a:fld>
             <a:endParaRPr lang="de-DE" sz="1400" b="0" strike="noStrike" spc="-1">
               <a:solidFill>
@@ -7714,7 +7714,7 @@
                 </a:uFill>
                 <a:latin typeface="Century Gothic"/>
               </a:rPr>
-              <a:t>23.01.2017</a:t>
+              <a:t>24.01.2017</a:t>
             </a:fld>
             <a:endParaRPr lang="de-DE" sz="1400" b="0" strike="noStrike" spc="-1">
               <a:solidFill>
@@ -8092,7 +8092,7 @@
                 </a:uFill>
                 <a:latin typeface="Century Gothic"/>
               </a:rPr>
-              <a:t>23.01.2017</a:t>
+              <a:t>24.01.2017</a:t>
             </a:fld>
             <a:endParaRPr lang="de-DE" sz="1400" b="0" strike="noStrike" spc="-1">
               <a:solidFill>
@@ -8402,7 +8402,7 @@
                 </a:uFill>
                 <a:latin typeface="Century Gothic"/>
               </a:rPr>
-              <a:t>23.01.2017</a:t>
+              <a:t>24.01.2017</a:t>
             </a:fld>
             <a:endParaRPr lang="de-DE" sz="1400" b="0" strike="noStrike" spc="-1">
               <a:solidFill>
@@ -8764,7 +8764,7 @@
                 </a:uFill>
                 <a:latin typeface="Century Gothic"/>
               </a:rPr>
-              <a:t>23.01.2017</a:t>
+              <a:t>24.01.2017</a:t>
             </a:fld>
             <a:endParaRPr lang="de-DE" sz="1400" b="0" strike="noStrike" spc="-1">
               <a:solidFill>
@@ -9191,7 +9191,7 @@
                 </a:uFill>
                 <a:latin typeface="Century Gothic"/>
               </a:rPr>
-              <a:t>23.01.2017</a:t>
+              <a:t>24.01.2017</a:t>
             </a:fld>
             <a:endParaRPr lang="de-DE" sz="1400" b="0" strike="noStrike" spc="-1">
               <a:solidFill>
@@ -9425,7 +9425,7 @@
                 </a:uFill>
                 <a:latin typeface="Century Gothic"/>
               </a:rPr>
-              <a:t>23.01.2017</a:t>
+              <a:t>24.01.2017</a:t>
             </a:fld>
             <a:endParaRPr lang="de-DE" sz="1400" b="0" strike="noStrike" spc="-1">
               <a:solidFill>
@@ -9665,7 +9665,7 @@
                 </a:uFill>
                 <a:latin typeface="Century Gothic"/>
               </a:rPr>
-              <a:t>23.01.2017</a:t>
+              <a:t>24.01.2017</a:t>
             </a:fld>
             <a:endParaRPr lang="de-DE" sz="1400" b="0" strike="noStrike" spc="-1">
               <a:solidFill>
@@ -10066,7 +10066,7 @@
                 </a:uFill>
                 <a:latin typeface="Century Gothic"/>
               </a:rPr>
-              <a:t>23.01.2017</a:t>
+              <a:t>24.01.2017</a:t>
             </a:fld>
             <a:endParaRPr lang="de-DE" sz="1400" b="0" strike="noStrike" spc="-1">
               <a:solidFill>
@@ -10508,7 +10508,7 @@
                 </a:uFill>
                 <a:latin typeface="Century Gothic"/>
               </a:rPr>
-              <a:t>23.01.2017</a:t>
+              <a:t>24.01.2017</a:t>
             </a:fld>
             <a:endParaRPr lang="de-DE" sz="1400" b="0" strike="noStrike" spc="-1">
               <a:solidFill>
@@ -10686,7 +10686,7 @@
                 </a:uFill>
                 <a:latin typeface="Century Gothic"/>
               </a:rPr>
-              <a:t>23.01.2017</a:t>
+              <a:t>24.01.2017</a:t>
             </a:fld>
             <a:endParaRPr lang="de-DE" sz="1400" b="0" strike="noStrike" spc="-1">
               <a:solidFill>
@@ -10841,7 +10841,7 @@
                 </a:uFill>
                 <a:latin typeface="Century Gothic"/>
               </a:rPr>
-              <a:t>23.01.2017</a:t>
+              <a:t>24.01.2017</a:t>
             </a:fld>
             <a:endParaRPr lang="de-DE" sz="1400" b="0" strike="noStrike" spc="-1">
               <a:solidFill>
@@ -11156,7 +11156,7 @@
                 </a:uFill>
                 <a:latin typeface="Century Gothic"/>
               </a:rPr>
-              <a:t>23.01.2017</a:t>
+              <a:t>24.01.2017</a:t>
             </a:fld>
             <a:endParaRPr lang="de-DE" sz="1400" b="0" strike="noStrike" spc="-1">
               <a:solidFill>
@@ -11499,7 +11499,7 @@
                 </a:uFill>
                 <a:latin typeface="Century Gothic"/>
               </a:rPr>
-              <a:t>23.01.2017</a:t>
+              <a:t>24.01.2017</a:t>
             </a:fld>
             <a:endParaRPr lang="de-DE" sz="1400" b="0" strike="noStrike" spc="-1">
               <a:solidFill>
@@ -11965,7 +11965,7 @@
                 </a:uFill>
                 <a:latin typeface="Century Gothic"/>
               </a:rPr>
-              <a:t>23.01.2017</a:t>
+              <a:t>24.01.2017</a:t>
             </a:fld>
             <a:endParaRPr lang="de-DE" sz="1400" b="0" strike="noStrike" spc="-1">
               <a:solidFill>
@@ -12888,7 +12888,7 @@
                 </a:uFill>
                 <a:latin typeface="Century Gothic"/>
               </a:rPr>
-              <a:t>23.01.2017</a:t>
+              <a:t>24.01.2017</a:t>
             </a:fld>
             <a:endParaRPr lang="de-DE" sz="1400" b="0" strike="noStrike" spc="-1">
               <a:solidFill>
@@ -14422,8 +14422,8 @@
         </p:blipFill>
         <p:spPr>
           <a:xfrm>
-            <a:off x="1173243" y="3507177"/>
-            <a:ext cx="1394735" cy="386771"/>
+            <a:off x="1147116" y="3784972"/>
+            <a:ext cx="1429316" cy="396361"/>
           </a:xfrm>
           <a:prstGeom prst="rect">
             <a:avLst/>
@@ -14445,8 +14445,8 @@
         </p:blipFill>
         <p:spPr>
           <a:xfrm>
-            <a:off x="1160203" y="2809145"/>
-            <a:ext cx="1386453" cy="368951"/>
+            <a:off x="1177622" y="2631942"/>
+            <a:ext cx="1201496" cy="319732"/>
           </a:xfrm>
           <a:prstGeom prst="rect">
             <a:avLst/>
@@ -14468,8 +14468,8 @@
         </p:blipFill>
         <p:spPr>
           <a:xfrm>
-            <a:off x="1166826" y="1853105"/>
-            <a:ext cx="1417073" cy="653821"/>
+            <a:off x="1175535" y="1844538"/>
+            <a:ext cx="1228031" cy="566599"/>
           </a:xfrm>
           <a:prstGeom prst="rect">
             <a:avLst/>
@@ -14491,8 +14491,8 @@
         </p:blipFill>
         <p:spPr>
           <a:xfrm>
-            <a:off x="1339534" y="4839087"/>
-            <a:ext cx="1027792" cy="531340"/>
+            <a:off x="1356952" y="4814179"/>
+            <a:ext cx="890681" cy="460457"/>
           </a:xfrm>
           <a:prstGeom prst="rect">
             <a:avLst/>
@@ -14514,8 +14514,8 @@
         </p:blipFill>
         <p:spPr>
           <a:xfrm>
-            <a:off x="1216413" y="4213905"/>
-            <a:ext cx="1308396" cy="395305"/>
+            <a:off x="1233831" y="4327599"/>
+            <a:ext cx="1133852" cy="342570"/>
           </a:xfrm>
           <a:prstGeom prst="rect">
             <a:avLst/>
@@ -14537,8 +14537,8 @@
         </p:blipFill>
         <p:spPr>
           <a:xfrm>
-            <a:off x="1432224" y="5609013"/>
-            <a:ext cx="824995" cy="416890"/>
+            <a:off x="1449643" y="5438205"/>
+            <a:ext cx="714938" cy="361276"/>
           </a:xfrm>
           <a:prstGeom prst="rect">
             <a:avLst/>
@@ -14546,6 +14546,47 @@
           <a:ln>
             <a:noFill/>
           </a:ln>
+        </p:spPr>
+      </p:pic>
+      <p:pic>
+        <p:nvPicPr>
+          <p:cNvPr id="1026" name="Picture 2" descr="http://shiro.apache.org/assets/images/apache-shiro-logo.png"/>
+          <p:cNvPicPr>
+            <a:picLocks noChangeAspect="1" noChangeArrowheads="1"/>
+          </p:cNvPicPr>
+          <p:nvPr/>
+        </p:nvPicPr>
+        <p:blipFill>
+          <a:blip r:embed="rId10">
+            <a:extLst>
+              <a:ext uri="{28A0092B-C50C-407E-A947-70E740481C1C}">
+                <a14:useLocalDpi xmlns:a14="http://schemas.microsoft.com/office/drawing/2010/main" val="0"/>
+              </a:ext>
+            </a:extLst>
+          </a:blip>
+          <a:srcRect/>
+          <a:stretch>
+            <a:fillRect/>
+          </a:stretch>
+        </p:blipFill>
+        <p:spPr bwMode="auto">
+          <a:xfrm>
+            <a:off x="1150763" y="3157570"/>
+            <a:ext cx="1255213" cy="446415"/>
+          </a:xfrm>
+          <a:prstGeom prst="rect">
+            <a:avLst/>
+          </a:prstGeom>
+          <a:noFill/>
+          <a:extLst>
+            <a:ext uri="{909E8E84-426E-40DD-AFC4-6F175D3DCCD1}">
+              <a14:hiddenFill xmlns:a14="http://schemas.microsoft.com/office/drawing/2010/main">
+                <a:solidFill>
+                  <a:srgbClr val="FFFFFF"/>
+                </a:solidFill>
+              </a14:hiddenFill>
+            </a:ext>
+          </a:extLst>
         </p:spPr>
       </p:pic>
     </p:spTree>
@@ -15236,21 +15277,7 @@
                 </a:uFill>
                 <a:latin typeface="Century Gothic"/>
               </a:rPr>
-              <a:t>. </a:t>
-            </a:r>
-            <a:r>
-              <a:rPr lang="de-DE" sz="3200" b="0" strike="noStrike" cap="all" spc="-1" dirty="0" smtClean="0">
-                <a:solidFill>
-                  <a:srgbClr val="FFFFFF"/>
-                </a:solidFill>
-                <a:uFill>
-                  <a:solidFill>
-                    <a:srgbClr val="FFFFFF"/>
-                  </a:solidFill>
-                </a:uFill>
-                <a:latin typeface="Century Gothic"/>
-              </a:rPr>
-              <a:t>Fazit</a:t>
+              <a:t>. Fazit</a:t>
             </a:r>
             <a:endParaRPr lang="de-DE" sz="1800" b="0" strike="noStrike" spc="-1" dirty="0">
               <a:solidFill>
